--- a/Entrgables/Presentacion SHAP - Santiago Andres Sotelo.pptx
+++ b/Entrgables/Presentacion SHAP - Santiago Andres Sotelo.pptx
@@ -25396,12 +25396,6 @@
               </a:rPr>
               <a:t> 1995</a:t>
             </a:r>
-            <a:endParaRPr lang="es-MX" sz="1200" dirty="0">
-              <a:latin typeface="Roboto"/>
-              <a:ea typeface="Roboto"/>
-              <a:cs typeface="Roboto"/>
-              <a:sym typeface="Roboto"/>
-            </a:endParaRPr>
           </a:p>
           <a:p>
             <a:pPr marL="171450" indent="-171450">
@@ -25409,6 +25403,51 @@
                 <a:spcPts val="1600"/>
               </a:spcBef>
             </a:pPr>
+            <a:r>
+              <a:rPr lang="es-MX" sz="1200" dirty="0" err="1">
+                <a:latin typeface="Roboto"/>
+                <a:ea typeface="Roboto"/>
+                <a:cs typeface="Roboto"/>
+                <a:sym typeface="Roboto"/>
+              </a:rPr>
+              <a:t>Paper</a:t>
+            </a:r>
+            <a:r>
+              <a:rPr lang="es-MX" sz="1200" dirty="0">
+                <a:latin typeface="Roboto"/>
+                <a:ea typeface="Roboto"/>
+                <a:cs typeface="Roboto"/>
+                <a:sym typeface="Roboto"/>
+              </a:rPr>
+              <a:t> original de Scott </a:t>
+            </a:r>
+            <a:r>
+              <a:rPr lang="es-MX" sz="1200" dirty="0" err="1">
+                <a:latin typeface="Roboto"/>
+                <a:ea typeface="Roboto"/>
+                <a:cs typeface="Roboto"/>
+                <a:sym typeface="Roboto"/>
+              </a:rPr>
+              <a:t>Lundberg</a:t>
+            </a:r>
+            <a:r>
+              <a:rPr lang="es-MX" sz="1200" dirty="0">
+                <a:latin typeface="Roboto"/>
+                <a:ea typeface="Roboto"/>
+                <a:cs typeface="Roboto"/>
+                <a:sym typeface="Roboto"/>
+              </a:rPr>
+              <a:t> (2017</a:t>
+            </a:r>
+            <a:r>
+              <a:rPr lang="es-MX" sz="1200">
+                <a:latin typeface="Roboto"/>
+                <a:ea typeface="Roboto"/>
+                <a:cs typeface="Roboto"/>
+                <a:sym typeface="Roboto"/>
+              </a:rPr>
+              <a:t>): https://arxiv.org/pdf/1705.07874.pdf</a:t>
+            </a:r>
             <a:endParaRPr sz="1200" dirty="0">
               <a:latin typeface="Roboto"/>
               <a:ea typeface="Roboto"/>
